--- a/doc/final.pptx
+++ b/doc/final.pptx
@@ -5,21 +5,20 @@
     <p:sldMasterId id="2147483648" r:id="rId1"/>
   </p:sldMasterIdLst>
   <p:notesMasterIdLst>
-    <p:notesMasterId r:id="rId11"/>
+    <p:notesMasterId r:id="rId10"/>
   </p:notesMasterIdLst>
   <p:handoutMasterIdLst>
-    <p:handoutMasterId r:id="rId12"/>
+    <p:handoutMasterId r:id="rId11"/>
   </p:handoutMasterIdLst>
   <p:sldIdLst>
     <p:sldId id="256" r:id="rId2"/>
     <p:sldId id="257" r:id="rId3"/>
     <p:sldId id="258" r:id="rId4"/>
-    <p:sldId id="263" r:id="rId5"/>
-    <p:sldId id="261" r:id="rId6"/>
-    <p:sldId id="259" r:id="rId7"/>
-    <p:sldId id="262" r:id="rId8"/>
-    <p:sldId id="266" r:id="rId9"/>
-    <p:sldId id="267" r:id="rId10"/>
+    <p:sldId id="268" r:id="rId5"/>
+    <p:sldId id="269" r:id="rId6"/>
+    <p:sldId id="270" r:id="rId7"/>
+    <p:sldId id="266" r:id="rId8"/>
+    <p:sldId id="267" r:id="rId9"/>
   </p:sldIdLst>
   <p:sldSz cx="12192000" cy="6858000"/>
   <p:notesSz cx="6858000" cy="9144000"/>
@@ -118,6 +117,14 @@
       </a:defRPr>
     </a:lvl9pPr>
   </p:defaultTextStyle>
+  <p:extLst>
+    <p:ext uri="{EFAFB233-063F-42B5-8137-9DF3F51BA10A}">
+      <p15:sldGuideLst xmlns:p15="http://schemas.microsoft.com/office/powerpoint/2012/main"/>
+    </p:ext>
+    <p:ext uri="{2D200454-40CA-4A62-9FC3-DE9A4176ACB9}">
+      <p15:notesGuideLst xmlns:p15="http://schemas.microsoft.com/office/powerpoint/2012/main"/>
+    </p:ext>
+  </p:extLst>
 </p:presentation>
 </file>
 
@@ -940,6 +947,10 @@
           <a:bodyPr/>
           <a:lstStyle/>
           <a:p>
+            <a:r>
+              <a:rPr kumimoji="1" lang="zh-TW" altLang="en-US" dirty="0" smtClean="0"/>
+              <a:t>三大特色</a:t>
+            </a:r>
             <a:endParaRPr kumimoji="1" lang="zh-TW" altLang="en-US" dirty="0"/>
           </a:p>
         </p:txBody>
@@ -961,7 +972,7 @@
           <a:p>
             <a:fld id="{BCF6324B-F849-6344-B687-F349F76D787C}" type="slidenum">
               <a:rPr kumimoji="1" lang="zh-TW" altLang="en-US" smtClean="0"/>
-              <a:t>8</a:t>
+              <a:t>4</a:t>
             </a:fld>
             <a:endParaRPr kumimoji="1" lang="zh-TW" altLang="en-US"/>
           </a:p>
@@ -970,7 +981,7 @@
     </p:spTree>
     <p:extLst>
       <p:ext uri="{BB962C8B-B14F-4D97-AF65-F5344CB8AC3E}">
-        <p14:creationId xmlns:p14="http://schemas.microsoft.com/office/powerpoint/2010/main" val="946705620"/>
+        <p14:creationId xmlns:p14="http://schemas.microsoft.com/office/powerpoint/2010/main" val="859970787"/>
       </p:ext>
     </p:extLst>
   </p:cSld>
@@ -1024,6 +1035,10 @@
           <a:bodyPr/>
           <a:lstStyle/>
           <a:p>
+            <a:r>
+              <a:rPr kumimoji="1" lang="zh-TW" altLang="en-US" dirty="0" smtClean="0"/>
+              <a:t>三大特色</a:t>
+            </a:r>
             <a:endParaRPr kumimoji="1" lang="zh-TW" altLang="en-US" dirty="0"/>
           </a:p>
         </p:txBody>
@@ -1045,7 +1060,263 @@
           <a:p>
             <a:fld id="{BCF6324B-F849-6344-B687-F349F76D787C}" type="slidenum">
               <a:rPr kumimoji="1" lang="zh-TW" altLang="en-US" smtClean="0"/>
-              <a:t>9</a:t>
+              <a:t>5</a:t>
+            </a:fld>
+            <a:endParaRPr kumimoji="1" lang="zh-TW" altLang="en-US"/>
+          </a:p>
+        </p:txBody>
+      </p:sp>
+    </p:spTree>
+    <p:extLst>
+      <p:ext uri="{BB962C8B-B14F-4D97-AF65-F5344CB8AC3E}">
+        <p14:creationId xmlns:p14="http://schemas.microsoft.com/office/powerpoint/2010/main" val="2259797807"/>
+      </p:ext>
+    </p:extLst>
+  </p:cSld>
+  <p:clrMapOvr>
+    <a:masterClrMapping/>
+  </p:clrMapOvr>
+</p:notes>
+</file>
+
+<file path=ppt/notesSlides/notesSlide6.xml><?xml version="1.0" encoding="utf-8"?>
+<p:notes xmlns:a="http://schemas.openxmlformats.org/drawingml/2006/main" xmlns:r="http://schemas.openxmlformats.org/officeDocument/2006/relationships" xmlns:p="http://schemas.openxmlformats.org/presentationml/2006/main">
+  <p:cSld>
+    <p:spTree>
+      <p:nvGrpSpPr>
+        <p:cNvPr id="1" name=""/>
+        <p:cNvGrpSpPr/>
+        <p:nvPr/>
+      </p:nvGrpSpPr>
+      <p:grpSpPr>
+        <a:xfrm>
+          <a:off x="0" y="0"/>
+          <a:ext cx="0" cy="0"/>
+          <a:chOff x="0" y="0"/>
+          <a:chExt cx="0" cy="0"/>
+        </a:xfrm>
+      </p:grpSpPr>
+      <p:sp>
+        <p:nvSpPr>
+          <p:cNvPr id="2" name="投影片影像版面配置區 1"/>
+          <p:cNvSpPr>
+            <a:spLocks noGrp="1" noRot="1" noChangeAspect="1"/>
+          </p:cNvSpPr>
+          <p:nvPr>
+            <p:ph type="sldImg"/>
+          </p:nvPr>
+        </p:nvSpPr>
+        <p:spPr/>
+      </p:sp>
+      <p:sp>
+        <p:nvSpPr>
+          <p:cNvPr id="3" name="備忘稿版面配置區 2"/>
+          <p:cNvSpPr>
+            <a:spLocks noGrp="1"/>
+          </p:cNvSpPr>
+          <p:nvPr>
+            <p:ph type="body" idx="1"/>
+          </p:nvPr>
+        </p:nvSpPr>
+        <p:spPr/>
+        <p:txBody>
+          <a:bodyPr/>
+          <a:lstStyle/>
+          <a:p>
+            <a:r>
+              <a:rPr kumimoji="1" lang="zh-TW" altLang="en-US" dirty="0" smtClean="0"/>
+              <a:t>三大特色</a:t>
+            </a:r>
+            <a:endParaRPr kumimoji="1" lang="zh-TW" altLang="en-US" dirty="0"/>
+          </a:p>
+        </p:txBody>
+      </p:sp>
+      <p:sp>
+        <p:nvSpPr>
+          <p:cNvPr id="4" name="投影片編號版面配置區 3"/>
+          <p:cNvSpPr>
+            <a:spLocks noGrp="1"/>
+          </p:cNvSpPr>
+          <p:nvPr>
+            <p:ph type="sldNum" sz="quarter" idx="10"/>
+          </p:nvPr>
+        </p:nvSpPr>
+        <p:spPr/>
+        <p:txBody>
+          <a:bodyPr/>
+          <a:lstStyle/>
+          <a:p>
+            <a:fld id="{BCF6324B-F849-6344-B687-F349F76D787C}" type="slidenum">
+              <a:rPr kumimoji="1" lang="zh-TW" altLang="en-US" smtClean="0"/>
+              <a:t>6</a:t>
+            </a:fld>
+            <a:endParaRPr kumimoji="1" lang="zh-TW" altLang="en-US"/>
+          </a:p>
+        </p:txBody>
+      </p:sp>
+    </p:spTree>
+    <p:extLst>
+      <p:ext uri="{BB962C8B-B14F-4D97-AF65-F5344CB8AC3E}">
+        <p14:creationId xmlns:p14="http://schemas.microsoft.com/office/powerpoint/2010/main" val="1953115941"/>
+      </p:ext>
+    </p:extLst>
+  </p:cSld>
+  <p:clrMapOvr>
+    <a:masterClrMapping/>
+  </p:clrMapOvr>
+</p:notes>
+</file>
+
+<file path=ppt/notesSlides/notesSlide7.xml><?xml version="1.0" encoding="utf-8"?>
+<p:notes xmlns:a="http://schemas.openxmlformats.org/drawingml/2006/main" xmlns:r="http://schemas.openxmlformats.org/officeDocument/2006/relationships" xmlns:p="http://schemas.openxmlformats.org/presentationml/2006/main">
+  <p:cSld>
+    <p:spTree>
+      <p:nvGrpSpPr>
+        <p:cNvPr id="1" name=""/>
+        <p:cNvGrpSpPr/>
+        <p:nvPr/>
+      </p:nvGrpSpPr>
+      <p:grpSpPr>
+        <a:xfrm>
+          <a:off x="0" y="0"/>
+          <a:ext cx="0" cy="0"/>
+          <a:chOff x="0" y="0"/>
+          <a:chExt cx="0" cy="0"/>
+        </a:xfrm>
+      </p:grpSpPr>
+      <p:sp>
+        <p:nvSpPr>
+          <p:cNvPr id="2" name="投影片影像版面配置區 1"/>
+          <p:cNvSpPr>
+            <a:spLocks noGrp="1" noRot="1" noChangeAspect="1"/>
+          </p:cNvSpPr>
+          <p:nvPr>
+            <p:ph type="sldImg"/>
+          </p:nvPr>
+        </p:nvSpPr>
+        <p:spPr/>
+      </p:sp>
+      <p:sp>
+        <p:nvSpPr>
+          <p:cNvPr id="3" name="備忘稿版面配置區 2"/>
+          <p:cNvSpPr>
+            <a:spLocks noGrp="1"/>
+          </p:cNvSpPr>
+          <p:nvPr>
+            <p:ph type="body" idx="1"/>
+          </p:nvPr>
+        </p:nvSpPr>
+        <p:spPr/>
+        <p:txBody>
+          <a:bodyPr/>
+          <a:lstStyle/>
+          <a:p>
+            <a:endParaRPr kumimoji="1" lang="zh-TW" altLang="en-US" dirty="0"/>
+          </a:p>
+        </p:txBody>
+      </p:sp>
+      <p:sp>
+        <p:nvSpPr>
+          <p:cNvPr id="4" name="投影片編號版面配置區 3"/>
+          <p:cNvSpPr>
+            <a:spLocks noGrp="1"/>
+          </p:cNvSpPr>
+          <p:nvPr>
+            <p:ph type="sldNum" sz="quarter" idx="10"/>
+          </p:nvPr>
+        </p:nvSpPr>
+        <p:spPr/>
+        <p:txBody>
+          <a:bodyPr/>
+          <a:lstStyle/>
+          <a:p>
+            <a:fld id="{BCF6324B-F849-6344-B687-F349F76D787C}" type="slidenum">
+              <a:rPr kumimoji="1" lang="zh-TW" altLang="en-US" smtClean="0"/>
+              <a:t>7</a:t>
+            </a:fld>
+            <a:endParaRPr kumimoji="1" lang="zh-TW" altLang="en-US"/>
+          </a:p>
+        </p:txBody>
+      </p:sp>
+    </p:spTree>
+    <p:extLst>
+      <p:ext uri="{BB962C8B-B14F-4D97-AF65-F5344CB8AC3E}">
+        <p14:creationId xmlns:p14="http://schemas.microsoft.com/office/powerpoint/2010/main" val="946705620"/>
+      </p:ext>
+    </p:extLst>
+  </p:cSld>
+  <p:clrMapOvr>
+    <a:masterClrMapping/>
+  </p:clrMapOvr>
+</p:notes>
+</file>
+
+<file path=ppt/notesSlides/notesSlide8.xml><?xml version="1.0" encoding="utf-8"?>
+<p:notes xmlns:a="http://schemas.openxmlformats.org/drawingml/2006/main" xmlns:r="http://schemas.openxmlformats.org/officeDocument/2006/relationships" xmlns:p="http://schemas.openxmlformats.org/presentationml/2006/main">
+  <p:cSld>
+    <p:spTree>
+      <p:nvGrpSpPr>
+        <p:cNvPr id="1" name=""/>
+        <p:cNvGrpSpPr/>
+        <p:nvPr/>
+      </p:nvGrpSpPr>
+      <p:grpSpPr>
+        <a:xfrm>
+          <a:off x="0" y="0"/>
+          <a:ext cx="0" cy="0"/>
+          <a:chOff x="0" y="0"/>
+          <a:chExt cx="0" cy="0"/>
+        </a:xfrm>
+      </p:grpSpPr>
+      <p:sp>
+        <p:nvSpPr>
+          <p:cNvPr id="2" name="投影片影像版面配置區 1"/>
+          <p:cNvSpPr>
+            <a:spLocks noGrp="1" noRot="1" noChangeAspect="1"/>
+          </p:cNvSpPr>
+          <p:nvPr>
+            <p:ph type="sldImg"/>
+          </p:nvPr>
+        </p:nvSpPr>
+        <p:spPr/>
+      </p:sp>
+      <p:sp>
+        <p:nvSpPr>
+          <p:cNvPr id="3" name="備忘稿版面配置區 2"/>
+          <p:cNvSpPr>
+            <a:spLocks noGrp="1"/>
+          </p:cNvSpPr>
+          <p:nvPr>
+            <p:ph type="body" idx="1"/>
+          </p:nvPr>
+        </p:nvSpPr>
+        <p:spPr/>
+        <p:txBody>
+          <a:bodyPr/>
+          <a:lstStyle/>
+          <a:p>
+            <a:endParaRPr kumimoji="1" lang="zh-TW" altLang="en-US" dirty="0"/>
+          </a:p>
+        </p:txBody>
+      </p:sp>
+      <p:sp>
+        <p:nvSpPr>
+          <p:cNvPr id="4" name="投影片編號版面配置區 3"/>
+          <p:cNvSpPr>
+            <a:spLocks noGrp="1"/>
+          </p:cNvSpPr>
+          <p:nvPr>
+            <p:ph type="sldNum" sz="quarter" idx="10"/>
+          </p:nvPr>
+        </p:nvSpPr>
+        <p:spPr/>
+        <p:txBody>
+          <a:bodyPr/>
+          <a:lstStyle/>
+          <a:p>
+            <a:fld id="{BCF6324B-F849-6344-B687-F349F76D787C}" type="slidenum">
+              <a:rPr kumimoji="1" lang="zh-TW" altLang="en-US" smtClean="0"/>
+              <a:t>8</a:t>
             </a:fld>
             <a:endParaRPr kumimoji="1" lang="zh-TW" altLang="en-US"/>
           </a:p>
@@ -1193,7 +1464,7 @@
           <a:bodyPr/>
           <a:lstStyle/>
           <a:p>
-            <a:fld id="{A8350768-4CF9-5E49-97D3-7A2060D138CC}" type="datetime1">
+            <a:fld id="{A2189D57-13BE-43BD-B0AE-8AE1E0DB0B36}" type="datetime1">
               <a:rPr kumimoji="1" lang="zh-TW" altLang="en-US" smtClean="0"/>
               <a:t>2018/4/1</a:t>
             </a:fld>
@@ -1351,7 +1622,7 @@
           <a:bodyPr/>
           <a:lstStyle/>
           <a:p>
-            <a:fld id="{45562339-8482-4A40-9695-B575B4685725}" type="datetime1">
+            <a:fld id="{9369DB6E-7E9D-4482-BDFA-072A73ECA8A4}" type="datetime1">
               <a:rPr kumimoji="1" lang="zh-TW" altLang="en-US" smtClean="0"/>
               <a:t>2018/4/1</a:t>
             </a:fld>
@@ -1531,7 +1802,7 @@
           <a:bodyPr/>
           <a:lstStyle/>
           <a:p>
-            <a:fld id="{B04AB667-2A33-164F-830B-CC216B001269}" type="datetime1">
+            <a:fld id="{375E5338-0ED7-411B-9A3C-86E5EE388F18}" type="datetime1">
               <a:rPr kumimoji="1" lang="zh-TW" altLang="en-US" smtClean="0"/>
               <a:t>2018/4/1</a:t>
             </a:fld>
@@ -1701,7 +1972,7 @@
           <a:bodyPr/>
           <a:lstStyle/>
           <a:p>
-            <a:fld id="{DD59DBBE-1101-6240-BA9A-9B597C41DC3A}" type="datetime1">
+            <a:fld id="{1B0EA63E-CF52-495E-94E7-DB3EB69F1F5C}" type="datetime1">
               <a:rPr kumimoji="1" lang="zh-TW" altLang="en-US" smtClean="0"/>
               <a:t>2018/4/1</a:t>
             </a:fld>
@@ -2121,7 +2392,7 @@
           <a:bodyPr/>
           <a:lstStyle/>
           <a:p>
-            <a:fld id="{3E28DFF9-3C44-924C-87F4-D529F630CB9C}" type="datetime1">
+            <a:fld id="{1EA35B22-5089-45B1-868F-46CA9E47AEB1}" type="datetime1">
               <a:rPr kumimoji="1" lang="zh-TW" altLang="en-US" smtClean="0"/>
               <a:t>2018/4/1</a:t>
             </a:fld>
@@ -2360,7 +2631,7 @@
           <a:bodyPr/>
           <a:lstStyle/>
           <a:p>
-            <a:fld id="{A054BBB6-DA46-9942-ABBB-BB4AA705EC31}" type="datetime1">
+            <a:fld id="{7B3D859E-2AEE-413C-8EC8-B872240859D9}" type="datetime1">
               <a:rPr kumimoji="1" lang="zh-TW" altLang="en-US" smtClean="0"/>
               <a:t>2018/4/1</a:t>
             </a:fld>
@@ -2727,7 +2998,7 @@
           <a:bodyPr/>
           <a:lstStyle/>
           <a:p>
-            <a:fld id="{C14108FA-C187-A544-AEBE-392EE858B955}" type="datetime1">
+            <a:fld id="{BA03A242-5676-4428-B7E9-3CAFCE6B0E2F}" type="datetime1">
               <a:rPr kumimoji="1" lang="zh-TW" altLang="en-US" smtClean="0"/>
               <a:t>2018/4/1</a:t>
             </a:fld>
@@ -2845,7 +3116,7 @@
           <a:bodyPr/>
           <a:lstStyle/>
           <a:p>
-            <a:fld id="{3134132D-5991-1B4F-8AFF-F94C4DEFBC61}" type="datetime1">
+            <a:fld id="{AC67A1E5-0D1F-4C55-A2B0-24578B84D140}" type="datetime1">
               <a:rPr kumimoji="1" lang="zh-TW" altLang="en-US" smtClean="0"/>
               <a:t>2018/4/1</a:t>
             </a:fld>
@@ -2940,7 +3211,7 @@
           <a:bodyPr/>
           <a:lstStyle/>
           <a:p>
-            <a:fld id="{619E92BC-40D2-E846-9E28-BFCA69E9DB40}" type="datetime1">
+            <a:fld id="{F9437B6E-13A9-4C43-81F4-B404202DD8B0}" type="datetime1">
               <a:rPr kumimoji="1" lang="zh-TW" altLang="en-US" smtClean="0"/>
               <a:t>2018/4/1</a:t>
             </a:fld>
@@ -3217,7 +3488,7 @@
           <a:bodyPr/>
           <a:lstStyle/>
           <a:p>
-            <a:fld id="{34038BC8-B43C-5143-AC29-E33017D4F8AD}" type="datetime1">
+            <a:fld id="{ED12EB3D-3408-401E-8390-7D0C72714FE3}" type="datetime1">
               <a:rPr kumimoji="1" lang="zh-TW" altLang="en-US" smtClean="0"/>
               <a:t>2018/4/1</a:t>
             </a:fld>
@@ -3470,7 +3741,7 @@
           <a:bodyPr/>
           <a:lstStyle/>
           <a:p>
-            <a:fld id="{0379C607-2B73-074B-97BC-A2DADA022585}" type="datetime1">
+            <a:fld id="{7C4E438F-8552-43CF-B106-DED98AAFC686}" type="datetime1">
               <a:rPr kumimoji="1" lang="zh-TW" altLang="en-US" smtClean="0"/>
               <a:t>2018/4/1</a:t>
             </a:fld>
@@ -3591,10 +3862,10 @@
           <a:lstStyle/>
           <a:p>
             <a:r>
-              <a:rPr kumimoji="1" lang="zh-TW" altLang="en-US" smtClean="0"/>
+              <a:rPr kumimoji="1" lang="zh-TW" altLang="en-US" dirty="0" smtClean="0"/>
               <a:t>按一下以編輯母片標題樣式</a:t>
             </a:r>
-            <a:endParaRPr kumimoji="1" lang="zh-TW" altLang="en-US"/>
+            <a:endParaRPr kumimoji="1" lang="zh-TW" altLang="en-US" dirty="0"/>
           </a:p>
         </p:txBody>
       </p:sp>
@@ -3693,7 +3964,7 @@
             </a:lvl1pPr>
           </a:lstStyle>
           <a:p>
-            <a:fld id="{C1645C60-F8AA-5844-97CA-55CBAC93ED7F}" type="datetime1">
+            <a:fld id="{DD855F66-D4DB-419D-A5E8-CD610AEDAC41}" type="datetime1">
               <a:rPr kumimoji="1" lang="zh-TW" altLang="en-US" smtClean="0"/>
               <a:t>2018/4/1</a:t>
             </a:fld>
@@ -3763,9 +4034,7 @@
             <a:lvl1pPr algn="r">
               <a:defRPr sz="1200">
                 <a:solidFill>
-                  <a:schemeClr val="tx1">
-                    <a:tint val="75000"/>
-                  </a:schemeClr>
+                  <a:schemeClr val="tx1"/>
                 </a:solidFill>
               </a:defRPr>
             </a:lvl1pPr>
@@ -3773,6 +4042,7 @@
           <a:p>
             <a:fld id="{E2979A35-9F6D-F14D-9E12-B3CB3B430550}" type="slidenum">
               <a:rPr kumimoji="1" lang="zh-TW" altLang="en-US" smtClean="0"/>
+              <a:pPr/>
               <a:t>‹#›</a:t>
             </a:fld>
             <a:endParaRPr kumimoji="1" lang="zh-TW" altLang="en-US"/>
@@ -3818,7 +4088,7 @@
           <a:spcPct val="0"/>
         </a:spcBef>
         <a:buNone/>
-        <a:defRPr sz="4400" kern="1200">
+        <a:defRPr sz="4400" b="1" kern="1200">
           <a:solidFill>
             <a:schemeClr val="tx1"/>
           </a:solidFill>
@@ -3838,7 +4108,7 @@
         </a:spcBef>
         <a:buFont typeface="Arial"/>
         <a:buChar char="•"/>
-        <a:defRPr sz="2800" kern="1200">
+        <a:defRPr sz="3600" b="1" kern="1200">
           <a:solidFill>
             <a:schemeClr val="tx1"/>
           </a:solidFill>
@@ -3856,7 +4126,7 @@
         </a:spcBef>
         <a:buFont typeface="Arial"/>
         <a:buChar char="•"/>
-        <a:defRPr sz="2400" kern="1200">
+        <a:defRPr sz="3600" b="1" kern="1200">
           <a:solidFill>
             <a:schemeClr val="tx1"/>
           </a:solidFill>
@@ -3874,7 +4144,7 @@
         </a:spcBef>
         <a:buFont typeface="Arial"/>
         <a:buChar char="•"/>
-        <a:defRPr sz="2000" kern="1200">
+        <a:defRPr sz="3600" b="1" kern="1200">
           <a:solidFill>
             <a:schemeClr val="tx1"/>
           </a:solidFill>
@@ -3892,7 +4162,7 @@
         </a:spcBef>
         <a:buFont typeface="Arial"/>
         <a:buChar char="•"/>
-        <a:defRPr sz="1800" kern="1200">
+        <a:defRPr sz="3600" b="1" kern="1200">
           <a:solidFill>
             <a:schemeClr val="tx1"/>
           </a:solidFill>
@@ -3910,7 +4180,7 @@
         </a:spcBef>
         <a:buFont typeface="Arial"/>
         <a:buChar char="•"/>
-        <a:defRPr sz="1800" kern="1200">
+        <a:defRPr sz="3600" b="1" kern="1200">
           <a:solidFill>
             <a:schemeClr val="tx1"/>
           </a:solidFill>
@@ -4384,18 +4654,31 @@
             <p:ph idx="1"/>
           </p:nvPr>
         </p:nvSpPr>
-        <p:spPr/>
+        <p:spPr>
+          <a:xfrm>
+            <a:off x="838200" y="1825625"/>
+            <a:ext cx="9645073" cy="4351338"/>
+          </a:xfrm>
+        </p:spPr>
         <p:txBody>
           <a:bodyPr/>
           <a:lstStyle/>
           <a:p>
             <a:r>
               <a:rPr lang="zh-TW" altLang="en-US" dirty="0" smtClean="0"/>
-              <a:t>藉由著互相的幫助來連結彼此，並且將互動的範圍</a:t>
-            </a:r>
-            <a:r>
-              <a:rPr lang="zh-TW" altLang="en-US" b="1" dirty="0" smtClean="0"/>
-              <a:t>跳脫朋友圈</a:t>
+              <a:t>藉由著互相的幫助來連結彼此，</a:t>
+            </a:r>
+            <a:r>
+              <a:rPr lang="zh-TW" altLang="en-US" dirty="0" smtClean="0"/>
+              <a:t>並且跳</a:t>
+            </a:r>
+            <a:r>
+              <a:rPr lang="zh-TW" altLang="en-US" dirty="0" smtClean="0"/>
+              <a:t>脫</a:t>
+            </a:r>
+            <a:r>
+              <a:rPr lang="zh-TW" altLang="en-US" dirty="0" smtClean="0"/>
+              <a:t>朋友圈</a:t>
             </a:r>
             <a:r>
               <a:rPr lang="zh-TW" altLang="en-US" dirty="0" smtClean="0"/>
@@ -4409,12 +4692,6 @@
             </a:r>
           </a:p>
           <a:p>
-            <a:r>
-              <a:rPr lang="zh-TW" altLang="en-US" dirty="0" smtClean="0"/>
-              <a:t>讓我們把愛傳出去，結交更多的朋友</a:t>
-            </a:r>
-          </a:p>
-          <a:p>
             <a:endParaRPr kumimoji="1" lang="zh-TW" altLang="en-US" dirty="0"/>
           </a:p>
         </p:txBody>
@@ -4434,7 +4711,7 @@
           <a:bodyPr/>
           <a:lstStyle/>
           <a:p>
-            <a:fld id="{1B7F77E1-D941-2744-9B7D-AC32AB2A70CD}" type="datetime1">
+            <a:fld id="{3854ECDF-BEC3-4CAA-BFA0-063843C16A98}" type="datetime1">
               <a:rPr kumimoji="1" lang="zh-TW" altLang="en-US" smtClean="0"/>
               <a:t>2018/4/1</a:t>
             </a:fld>
@@ -4546,30 +4823,47 @@
           <a:lstStyle/>
           <a:p>
             <a:r>
-              <a:rPr lang="zh-TW" altLang="en-US" dirty="0" smtClean="0"/>
-              <a:t>透過地理資訊建立連結</a:t>
-            </a:r>
-            <a:endParaRPr lang="en-US" altLang="zh-TW" dirty="0" smtClean="0"/>
-          </a:p>
-          <a:p>
-            <a:r>
-              <a:rPr lang="zh-TW" altLang="en-US" dirty="0" smtClean="0"/>
+              <a:rPr lang="zh-TW" altLang="en-US" b="1" dirty="0" smtClean="0">
+                <a:solidFill>
+                  <a:schemeClr val="accent2">
+                    <a:lumMod val="50000"/>
+                  </a:schemeClr>
+                </a:solidFill>
+              </a:rPr>
+              <a:t>遊戲化</a:t>
+            </a:r>
+            <a:endParaRPr lang="en-US" altLang="zh-TW" b="1" dirty="0" smtClean="0">
+              <a:solidFill>
+                <a:schemeClr val="accent2">
+                  <a:lumMod val="50000"/>
+                </a:schemeClr>
+              </a:solidFill>
+            </a:endParaRPr>
+          </a:p>
+          <a:p>
+            <a:r>
+              <a:rPr lang="zh-TW" altLang="en-US" b="1" dirty="0" smtClean="0"/>
+              <a:t>透過</a:t>
+            </a:r>
+            <a:r>
+              <a:rPr lang="zh-TW" altLang="en-US" b="1" dirty="0" smtClean="0"/>
+              <a:t>地理資訊建立連結</a:t>
+            </a:r>
+            <a:endParaRPr lang="en-US" altLang="zh-TW" b="1" dirty="0" smtClean="0"/>
+          </a:p>
+          <a:p>
+            <a:r>
+              <a:rPr lang="zh-TW" altLang="en-US" b="1" dirty="0" smtClean="0"/>
               <a:t>以點數獎勵互動的雙方</a:t>
             </a:r>
           </a:p>
           <a:p>
             <a:r>
-              <a:rPr lang="zh-TW" altLang="en-US" dirty="0" smtClean="0"/>
+              <a:rPr lang="zh-TW" altLang="en-US" b="1" dirty="0" smtClean="0"/>
               <a:t>藉由點數建立獨一無二的個性化角色</a:t>
             </a:r>
           </a:p>
           <a:p>
-            <a:r>
-              <a:rPr lang="zh-TW" altLang="en-US" dirty="0" smtClean="0"/>
-              <a:t>透過公開的任務，接觸與認識新朋友</a:t>
-            </a:r>
-          </a:p>
-          <a:p>
             <a:endParaRPr kumimoji="1" lang="zh-TW" altLang="en-US" dirty="0"/>
           </a:p>
         </p:txBody>
@@ -4589,7 +4883,7 @@
           <a:bodyPr/>
           <a:lstStyle/>
           <a:p>
-            <a:fld id="{FC986F2D-8235-F74A-AEE4-2B2EB17EBD90}" type="datetime1">
+            <a:fld id="{C90F8458-7ADB-4946-BB53-CCE1625A9A8C}" type="datetime1">
               <a:rPr kumimoji="1" lang="zh-TW" altLang="en-US" smtClean="0"/>
               <a:t>2018/4/1</a:t>
             </a:fld>
@@ -4687,66 +4981,73 @@
       </p:grpSpPr>
       <p:sp>
         <p:nvSpPr>
-          <p:cNvPr id="2" name="標題 1"/>
-          <p:cNvSpPr>
-            <a:spLocks noGrp="1"/>
-          </p:cNvSpPr>
-          <p:nvPr>
-            <p:ph type="title"/>
-          </p:nvPr>
-        </p:nvSpPr>
-        <p:spPr/>
-        <p:txBody>
-          <a:bodyPr/>
-          <a:lstStyle/>
-          <a:p>
-            <a:r>
-              <a:rPr kumimoji="1" lang="zh-TW" altLang="en-US" dirty="0" smtClean="0"/>
-              <a:t>地理資訊</a:t>
-            </a:r>
+          <p:cNvPr id="3" name="內容版面配置區 2"/>
+          <p:cNvSpPr>
+            <a:spLocks noGrp="1"/>
+          </p:cNvSpPr>
+          <p:nvPr>
+            <p:ph idx="1"/>
+          </p:nvPr>
+        </p:nvSpPr>
+        <p:spPr/>
+        <p:txBody>
+          <a:bodyPr/>
+          <a:lstStyle/>
+          <a:p>
+            <a:r>
+              <a:rPr lang="zh-TW" altLang="en-US" b="1" dirty="0" smtClean="0"/>
+              <a:t>遊戲化</a:t>
+            </a:r>
+            <a:endParaRPr lang="en-US" altLang="zh-TW" b="1" dirty="0" smtClean="0"/>
+          </a:p>
+          <a:p>
+            <a:r>
+              <a:rPr lang="zh-TW" altLang="en-US" b="1" dirty="0" smtClean="0">
+                <a:solidFill>
+                  <a:schemeClr val="accent2">
+                    <a:lumMod val="50000"/>
+                  </a:schemeClr>
+                </a:solidFill>
+              </a:rPr>
+              <a:t>透過</a:t>
+            </a:r>
+            <a:r>
+              <a:rPr lang="zh-TW" altLang="en-US" b="1" dirty="0" smtClean="0">
+                <a:solidFill>
+                  <a:schemeClr val="accent2">
+                    <a:lumMod val="50000"/>
+                  </a:schemeClr>
+                </a:solidFill>
+              </a:rPr>
+              <a:t>地理資訊建立連結</a:t>
+            </a:r>
+            <a:endParaRPr lang="en-US" altLang="zh-TW" b="1" dirty="0" smtClean="0">
+              <a:solidFill>
+                <a:schemeClr val="accent2">
+                  <a:lumMod val="50000"/>
+                </a:schemeClr>
+              </a:solidFill>
+            </a:endParaRPr>
+          </a:p>
+          <a:p>
+            <a:r>
+              <a:rPr lang="zh-TW" altLang="en-US" b="1" dirty="0" smtClean="0"/>
+              <a:t>以點數獎勵互動的雙方</a:t>
+            </a:r>
+          </a:p>
+          <a:p>
+            <a:r>
+              <a:rPr lang="zh-TW" altLang="en-US" b="1" dirty="0" smtClean="0"/>
+              <a:t>藉由點數建立獨一無二的個性化角色</a:t>
+            </a:r>
+          </a:p>
+          <a:p>
             <a:endParaRPr kumimoji="1" lang="zh-TW" altLang="en-US" dirty="0"/>
           </a:p>
         </p:txBody>
       </p:sp>
       <p:sp>
         <p:nvSpPr>
-          <p:cNvPr id="3" name="內容版面配置區 2"/>
-          <p:cNvSpPr>
-            <a:spLocks noGrp="1"/>
-          </p:cNvSpPr>
-          <p:nvPr>
-            <p:ph idx="1"/>
-          </p:nvPr>
-        </p:nvSpPr>
-        <p:spPr/>
-        <p:txBody>
-          <a:bodyPr/>
-          <a:lstStyle/>
-          <a:p>
-            <a:r>
-              <a:rPr kumimoji="1" lang="zh-TW" altLang="en-US" dirty="0" smtClean="0"/>
-              <a:t>透過</a:t>
-            </a:r>
-            <a:r>
-              <a:rPr kumimoji="1" lang="en-US" altLang="zh-TW" dirty="0" smtClean="0"/>
-              <a:t>Google Map</a:t>
-            </a:r>
-            <a:r>
-              <a:rPr kumimoji="1" lang="zh-TW" altLang="en-US" dirty="0" smtClean="0"/>
-              <a:t>定位，連結周遭用戶</a:t>
-            </a:r>
-            <a:endParaRPr kumimoji="1" lang="en-US" altLang="zh-TW" dirty="0" smtClean="0"/>
-          </a:p>
-          <a:p>
-            <a:endParaRPr kumimoji="1" lang="en-US" altLang="zh-TW" dirty="0" smtClean="0"/>
-          </a:p>
-          <a:p>
-            <a:endParaRPr kumimoji="1" lang="zh-TW" altLang="en-US" dirty="0"/>
-          </a:p>
-        </p:txBody>
-      </p:sp>
-      <p:sp>
-        <p:nvSpPr>
           <p:cNvPr id="4" name="日期版面配置區 3"/>
           <p:cNvSpPr>
             <a:spLocks noGrp="1"/>
@@ -4760,7 +5061,7 @@
           <a:bodyPr/>
           <a:lstStyle/>
           <a:p>
-            <a:fld id="{9833601E-C441-AC48-B7D3-D8B02FBC7284}" type="datetime1">
+            <a:fld id="{C90F8458-7ADB-4946-BB53-CCE1625A9A8C}" type="datetime1">
               <a:rPr kumimoji="1" lang="zh-TW" altLang="en-US" smtClean="0"/>
               <a:t>2018/4/1</a:t>
             </a:fld>
@@ -4788,13 +5089,41 @@
               <a:t>4</a:t>
             </a:fld>
             <a:endParaRPr kumimoji="1" lang="zh-TW" altLang="en-US"/>
+          </a:p>
+        </p:txBody>
+      </p:sp>
+      <p:sp>
+        <p:nvSpPr>
+          <p:cNvPr id="11" name="標題 1"/>
+          <p:cNvSpPr>
+            <a:spLocks noGrp="1"/>
+          </p:cNvSpPr>
+          <p:nvPr>
+            <p:ph type="title"/>
+          </p:nvPr>
+        </p:nvSpPr>
+        <p:spPr>
+          <a:xfrm>
+            <a:off x="838200" y="365125"/>
+            <a:ext cx="10515600" cy="1325563"/>
+          </a:xfrm>
+        </p:spPr>
+        <p:txBody>
+          <a:bodyPr/>
+          <a:lstStyle/>
+          <a:p>
+            <a:r>
+              <a:rPr kumimoji="1" lang="zh-TW" altLang="en-US" dirty="0" smtClean="0"/>
+              <a:t>特色</a:t>
+            </a:r>
+            <a:endParaRPr kumimoji="1" lang="zh-TW" altLang="en-US" dirty="0"/>
           </a:p>
         </p:txBody>
       </p:sp>
     </p:spTree>
     <p:extLst>
       <p:ext uri="{BB962C8B-B14F-4D97-AF65-F5344CB8AC3E}">
-        <p14:creationId xmlns:p14="http://schemas.microsoft.com/office/powerpoint/2010/main" val="1705109842"/>
+        <p14:creationId xmlns:p14="http://schemas.microsoft.com/office/powerpoint/2010/main" val="4028201197"/>
       </p:ext>
     </p:extLst>
   </p:cSld>
@@ -4830,59 +5159,61 @@
       </p:grpSpPr>
       <p:sp>
         <p:nvSpPr>
-          <p:cNvPr id="2" name="標題 1"/>
-          <p:cNvSpPr>
-            <a:spLocks noGrp="1"/>
-          </p:cNvSpPr>
-          <p:nvPr>
-            <p:ph type="title"/>
-          </p:nvPr>
-        </p:nvSpPr>
-        <p:spPr/>
-        <p:txBody>
-          <a:bodyPr/>
-          <a:lstStyle/>
-          <a:p>
-            <a:r>
-              <a:rPr kumimoji="1" lang="zh-TW" altLang="en-US" dirty="0" smtClean="0"/>
-              <a:t>點數機制</a:t>
-            </a:r>
+          <p:cNvPr id="3" name="內容版面配置區 2"/>
+          <p:cNvSpPr>
+            <a:spLocks noGrp="1"/>
+          </p:cNvSpPr>
+          <p:nvPr>
+            <p:ph idx="1"/>
+          </p:nvPr>
+        </p:nvSpPr>
+        <p:spPr/>
+        <p:txBody>
+          <a:bodyPr/>
+          <a:lstStyle/>
+          <a:p>
+            <a:r>
+              <a:rPr lang="zh-TW" altLang="en-US" b="1" dirty="0" smtClean="0"/>
+              <a:t>遊戲化</a:t>
+            </a:r>
+            <a:endParaRPr lang="en-US" altLang="zh-TW" b="1" dirty="0" smtClean="0"/>
+          </a:p>
+          <a:p>
+            <a:r>
+              <a:rPr lang="zh-TW" altLang="en-US" b="1" dirty="0" smtClean="0"/>
+              <a:t>透過</a:t>
+            </a:r>
+            <a:r>
+              <a:rPr lang="zh-TW" altLang="en-US" b="1" dirty="0" smtClean="0"/>
+              <a:t>地理資訊建立連結</a:t>
+            </a:r>
+            <a:endParaRPr lang="en-US" altLang="zh-TW" b="1" dirty="0" smtClean="0"/>
+          </a:p>
+          <a:p>
+            <a:r>
+              <a:rPr lang="zh-TW" altLang="en-US" b="1" dirty="0" smtClean="0">
+                <a:solidFill>
+                  <a:schemeClr val="accent2">
+                    <a:lumMod val="50000"/>
+                  </a:schemeClr>
+                </a:solidFill>
+              </a:rPr>
+              <a:t>以點數獎勵互動的雙方</a:t>
+            </a:r>
+          </a:p>
+          <a:p>
+            <a:r>
+              <a:rPr lang="zh-TW" altLang="en-US" b="1" dirty="0" smtClean="0"/>
+              <a:t>藉由點數建立獨一無二的個性化角色</a:t>
+            </a:r>
+          </a:p>
+          <a:p>
             <a:endParaRPr kumimoji="1" lang="zh-TW" altLang="en-US" dirty="0"/>
           </a:p>
         </p:txBody>
       </p:sp>
       <p:sp>
         <p:nvSpPr>
-          <p:cNvPr id="3" name="內容版面配置區 2"/>
-          <p:cNvSpPr>
-            <a:spLocks noGrp="1"/>
-          </p:cNvSpPr>
-          <p:nvPr>
-            <p:ph idx="1"/>
-          </p:nvPr>
-        </p:nvSpPr>
-        <p:spPr/>
-        <p:txBody>
-          <a:bodyPr/>
-          <a:lstStyle/>
-          <a:p>
-            <a:r>
-              <a:rPr kumimoji="1" lang="zh-TW" altLang="en-US" dirty="0" smtClean="0"/>
-              <a:t>取得方式</a:t>
-            </a:r>
-            <a:endParaRPr kumimoji="1" lang="en-US" altLang="zh-TW" dirty="0" smtClean="0"/>
-          </a:p>
-          <a:p>
-            <a:r>
-              <a:rPr kumimoji="1" lang="zh-TW" altLang="en-US" dirty="0" smtClean="0"/>
-              <a:t>使用方法</a:t>
-            </a:r>
-            <a:endParaRPr kumimoji="1" lang="zh-TW" altLang="en-US" dirty="0"/>
-          </a:p>
-        </p:txBody>
-      </p:sp>
-      <p:sp>
-        <p:nvSpPr>
           <p:cNvPr id="4" name="日期版面配置區 3"/>
           <p:cNvSpPr>
             <a:spLocks noGrp="1"/>
@@ -4896,7 +5227,7 @@
           <a:bodyPr/>
           <a:lstStyle/>
           <a:p>
-            <a:fld id="{DCE38331-007E-6841-996E-25FBAF8210B0}" type="datetime1">
+            <a:fld id="{C90F8458-7ADB-4946-BB53-CCE1625A9A8C}" type="datetime1">
               <a:rPr kumimoji="1" lang="zh-TW" altLang="en-US" smtClean="0"/>
               <a:t>2018/4/1</a:t>
             </a:fld>
@@ -4924,13 +5255,41 @@
               <a:t>5</a:t>
             </a:fld>
             <a:endParaRPr kumimoji="1" lang="zh-TW" altLang="en-US"/>
+          </a:p>
+        </p:txBody>
+      </p:sp>
+      <p:sp>
+        <p:nvSpPr>
+          <p:cNvPr id="11" name="標題 1"/>
+          <p:cNvSpPr>
+            <a:spLocks noGrp="1"/>
+          </p:cNvSpPr>
+          <p:nvPr>
+            <p:ph type="title"/>
+          </p:nvPr>
+        </p:nvSpPr>
+        <p:spPr>
+          <a:xfrm>
+            <a:off x="838200" y="365125"/>
+            <a:ext cx="10515600" cy="1325563"/>
+          </a:xfrm>
+        </p:spPr>
+        <p:txBody>
+          <a:bodyPr/>
+          <a:lstStyle/>
+          <a:p>
+            <a:r>
+              <a:rPr kumimoji="1" lang="zh-TW" altLang="en-US" dirty="0" smtClean="0"/>
+              <a:t>特色</a:t>
+            </a:r>
+            <a:endParaRPr kumimoji="1" lang="zh-TW" altLang="en-US" dirty="0"/>
           </a:p>
         </p:txBody>
       </p:sp>
     </p:spTree>
     <p:extLst>
       <p:ext uri="{BB962C8B-B14F-4D97-AF65-F5344CB8AC3E}">
-        <p14:creationId xmlns:p14="http://schemas.microsoft.com/office/powerpoint/2010/main" val="1470547237"/>
+        <p14:creationId xmlns:p14="http://schemas.microsoft.com/office/powerpoint/2010/main" val="4262192217"/>
       </p:ext>
     </p:extLst>
   </p:cSld>
@@ -4966,141 +5325,61 @@
       </p:grpSpPr>
       <p:sp>
         <p:nvSpPr>
-          <p:cNvPr id="2" name="標題 1"/>
-          <p:cNvSpPr>
-            <a:spLocks noGrp="1"/>
-          </p:cNvSpPr>
-          <p:nvPr>
-            <p:ph type="title"/>
-          </p:nvPr>
-        </p:nvSpPr>
-        <p:spPr/>
-        <p:txBody>
-          <a:bodyPr/>
-          <a:lstStyle/>
-          <a:p>
-            <a:r>
-              <a:rPr kumimoji="1" lang="zh-TW" altLang="en-US" dirty="0" smtClean="0"/>
-              <a:t>養成系統</a:t>
-            </a:r>
+          <p:cNvPr id="3" name="內容版面配置區 2"/>
+          <p:cNvSpPr>
+            <a:spLocks noGrp="1"/>
+          </p:cNvSpPr>
+          <p:nvPr>
+            <p:ph idx="1"/>
+          </p:nvPr>
+        </p:nvSpPr>
+        <p:spPr/>
+        <p:txBody>
+          <a:bodyPr/>
+          <a:lstStyle/>
+          <a:p>
+            <a:r>
+              <a:rPr lang="zh-TW" altLang="en-US" b="1" dirty="0" smtClean="0"/>
+              <a:t>遊戲化</a:t>
+            </a:r>
+            <a:endParaRPr lang="en-US" altLang="zh-TW" b="1" dirty="0" smtClean="0"/>
+          </a:p>
+          <a:p>
+            <a:r>
+              <a:rPr lang="zh-TW" altLang="en-US" b="1" dirty="0" smtClean="0"/>
+              <a:t>透過</a:t>
+            </a:r>
+            <a:r>
+              <a:rPr lang="zh-TW" altLang="en-US" b="1" dirty="0" smtClean="0"/>
+              <a:t>地理資訊建立連結</a:t>
+            </a:r>
+            <a:endParaRPr lang="en-US" altLang="zh-TW" b="1" dirty="0" smtClean="0"/>
+          </a:p>
+          <a:p>
+            <a:r>
+              <a:rPr lang="zh-TW" altLang="en-US" b="1" dirty="0" smtClean="0"/>
+              <a:t>以點數獎勵互動的雙方</a:t>
+            </a:r>
+          </a:p>
+          <a:p>
+            <a:r>
+              <a:rPr lang="zh-TW" altLang="en-US" b="1" dirty="0" smtClean="0">
+                <a:solidFill>
+                  <a:schemeClr val="accent2">
+                    <a:lumMod val="50000"/>
+                  </a:schemeClr>
+                </a:solidFill>
+              </a:rPr>
+              <a:t>藉由點數建立獨一無二的個性化角色</a:t>
+            </a:r>
+          </a:p>
+          <a:p>
             <a:endParaRPr kumimoji="1" lang="zh-TW" altLang="en-US" dirty="0"/>
           </a:p>
         </p:txBody>
       </p:sp>
       <p:sp>
         <p:nvSpPr>
-          <p:cNvPr id="3" name="內容版面配置區 2"/>
-          <p:cNvSpPr>
-            <a:spLocks noGrp="1"/>
-          </p:cNvSpPr>
-          <p:nvPr>
-            <p:ph idx="1"/>
-          </p:nvPr>
-        </p:nvSpPr>
-        <p:spPr/>
-        <p:txBody>
-          <a:bodyPr/>
-          <a:lstStyle/>
-          <a:p>
-            <a:pPr marL="0" marR="0" lvl="0" indent="0" defTabSz="914400" eaLnBrk="1" fontAlgn="auto" latinLnBrk="0" hangingPunct="1">
-              <a:lnSpc>
-                <a:spcPct val="100000"/>
-              </a:lnSpc>
-              <a:spcBef>
-                <a:spcPts val="0"/>
-              </a:spcBef>
-              <a:spcAft>
-                <a:spcPts val="0"/>
-              </a:spcAft>
-              <a:buClrTx/>
-              <a:buSzTx/>
-              <a:buFontTx/>
-              <a:buNone/>
-              <a:tabLst/>
-              <a:defRPr/>
-            </a:pPr>
-            <a:r>
-              <a:rPr kumimoji="1" lang="zh-TW" altLang="en-US" dirty="0" smtClean="0"/>
-              <a:t>紙娃娃系統</a:t>
-            </a:r>
-            <a:endParaRPr kumimoji="1" lang="en-US" altLang="zh-TW" dirty="0" smtClean="0"/>
-          </a:p>
-          <a:p>
-            <a:pPr marL="0" marR="0" lvl="0" indent="0" defTabSz="914400" eaLnBrk="1" fontAlgn="auto" latinLnBrk="0" hangingPunct="1">
-              <a:lnSpc>
-                <a:spcPct val="100000"/>
-              </a:lnSpc>
-              <a:spcBef>
-                <a:spcPts val="0"/>
-              </a:spcBef>
-              <a:spcAft>
-                <a:spcPts val="0"/>
-              </a:spcAft>
-              <a:buClrTx/>
-              <a:buSzTx/>
-              <a:buFontTx/>
-              <a:buNone/>
-              <a:tabLst/>
-              <a:defRPr/>
-            </a:pPr>
-            <a:r>
-              <a:rPr kumimoji="1" lang="zh-TW" altLang="en-US" dirty="0" smtClean="0"/>
-              <a:t>稱號系統</a:t>
-            </a:r>
-            <a:endParaRPr kumimoji="1" lang="en-US" altLang="zh-TW" dirty="0" smtClean="0"/>
-          </a:p>
-          <a:p>
-            <a:pPr marL="0" marR="0" lvl="0" indent="0" defTabSz="914400" eaLnBrk="1" fontAlgn="auto" latinLnBrk="0" hangingPunct="1">
-              <a:lnSpc>
-                <a:spcPct val="100000"/>
-              </a:lnSpc>
-              <a:spcBef>
-                <a:spcPts val="0"/>
-              </a:spcBef>
-              <a:spcAft>
-                <a:spcPts val="0"/>
-              </a:spcAft>
-              <a:buClrTx/>
-              <a:buSzTx/>
-              <a:buFontTx/>
-              <a:buNone/>
-              <a:tabLst/>
-              <a:defRPr/>
-            </a:pPr>
-            <a:r>
-              <a:rPr kumimoji="1" lang="en-US" altLang="zh-TW" dirty="0"/>
-              <a:t>	</a:t>
-            </a:r>
-            <a:r>
-              <a:rPr kumimoji="1" lang="zh-TW" altLang="en-US" dirty="0" smtClean="0"/>
-              <a:t>用途</a:t>
-            </a:r>
-            <a:endParaRPr kumimoji="1" lang="en-US" altLang="zh-TW" dirty="0" smtClean="0"/>
-          </a:p>
-          <a:p>
-            <a:pPr marL="0" marR="0" lvl="0" indent="0" defTabSz="914400" eaLnBrk="1" fontAlgn="auto" latinLnBrk="0" hangingPunct="1">
-              <a:lnSpc>
-                <a:spcPct val="100000"/>
-              </a:lnSpc>
-              <a:spcBef>
-                <a:spcPts val="0"/>
-              </a:spcBef>
-              <a:spcAft>
-                <a:spcPts val="0"/>
-              </a:spcAft>
-              <a:buClrTx/>
-              <a:buSzTx/>
-              <a:buFontTx/>
-              <a:buNone/>
-              <a:tabLst/>
-              <a:defRPr/>
-            </a:pPr>
-            <a:endParaRPr kumimoji="1" lang="en-US" altLang="zh-TW" dirty="0" smtClean="0"/>
-          </a:p>
-        </p:txBody>
-      </p:sp>
-      <p:sp>
-        <p:nvSpPr>
           <p:cNvPr id="4" name="日期版面配置區 3"/>
           <p:cNvSpPr>
             <a:spLocks noGrp="1"/>
@@ -5114,7 +5393,7 @@
           <a:bodyPr/>
           <a:lstStyle/>
           <a:p>
-            <a:fld id="{1CA52307-E9B7-DE4D-9B21-7D8D9F72E5E9}" type="datetime1">
+            <a:fld id="{C90F8458-7ADB-4946-BB53-CCE1625A9A8C}" type="datetime1">
               <a:rPr kumimoji="1" lang="zh-TW" altLang="en-US" smtClean="0"/>
               <a:t>2018/4/1</a:t>
             </a:fld>
@@ -5142,13 +5421,41 @@
               <a:t>6</a:t>
             </a:fld>
             <a:endParaRPr kumimoji="1" lang="zh-TW" altLang="en-US"/>
+          </a:p>
+        </p:txBody>
+      </p:sp>
+      <p:sp>
+        <p:nvSpPr>
+          <p:cNvPr id="11" name="標題 1"/>
+          <p:cNvSpPr>
+            <a:spLocks noGrp="1"/>
+          </p:cNvSpPr>
+          <p:nvPr>
+            <p:ph type="title"/>
+          </p:nvPr>
+        </p:nvSpPr>
+        <p:spPr>
+          <a:xfrm>
+            <a:off x="838200" y="365125"/>
+            <a:ext cx="10515600" cy="1325563"/>
+          </a:xfrm>
+        </p:spPr>
+        <p:txBody>
+          <a:bodyPr/>
+          <a:lstStyle/>
+          <a:p>
+            <a:r>
+              <a:rPr kumimoji="1" lang="zh-TW" altLang="en-US" dirty="0" smtClean="0"/>
+              <a:t>特色</a:t>
+            </a:r>
+            <a:endParaRPr kumimoji="1" lang="zh-TW" altLang="en-US" dirty="0"/>
           </a:p>
         </p:txBody>
       </p:sp>
     </p:spTree>
     <p:extLst>
       <p:ext uri="{BB962C8B-B14F-4D97-AF65-F5344CB8AC3E}">
-        <p14:creationId xmlns:p14="http://schemas.microsoft.com/office/powerpoint/2010/main" val="1122247520"/>
+        <p14:creationId xmlns:p14="http://schemas.microsoft.com/office/powerpoint/2010/main" val="2775409728"/>
       </p:ext>
     </p:extLst>
   </p:cSld>
@@ -5182,109 +5489,125 @@
           <a:chExt cx="0" cy="0"/>
         </a:xfrm>
       </p:grpSpPr>
-      <p:sp>
-        <p:nvSpPr>
-          <p:cNvPr id="2" name="標題 1"/>
-          <p:cNvSpPr>
-            <a:spLocks noGrp="1"/>
-          </p:cNvSpPr>
-          <p:nvPr>
-            <p:ph type="title"/>
-          </p:nvPr>
-        </p:nvSpPr>
-        <p:spPr/>
-        <p:txBody>
-          <a:bodyPr/>
-          <a:lstStyle/>
-          <a:p>
-            <a:r>
-              <a:rPr kumimoji="1" lang="zh-TW" altLang="en-US" dirty="0" smtClean="0"/>
-              <a:t>任務制度</a:t>
-            </a:r>
-            <a:endParaRPr kumimoji="1" lang="zh-TW" altLang="en-US" dirty="0"/>
-          </a:p>
-        </p:txBody>
-      </p:sp>
-      <p:sp>
-        <p:nvSpPr>
-          <p:cNvPr id="3" name="內容版面配置區 2"/>
-          <p:cNvSpPr>
-            <a:spLocks noGrp="1"/>
-          </p:cNvSpPr>
-          <p:nvPr>
-            <p:ph idx="1"/>
-          </p:nvPr>
-        </p:nvSpPr>
-        <p:spPr/>
-        <p:txBody>
-          <a:bodyPr/>
-          <a:lstStyle/>
-          <a:p>
-            <a:r>
-              <a:rPr kumimoji="1" lang="zh-TW" altLang="en-US" dirty="0" smtClean="0"/>
-              <a:t>每日額度</a:t>
-            </a:r>
-            <a:endParaRPr kumimoji="1" lang="en-US" altLang="zh-TW" dirty="0" smtClean="0"/>
-          </a:p>
-          <a:p>
-            <a:r>
-              <a:rPr kumimoji="1" lang="zh-TW" altLang="en-US" dirty="0" smtClean="0"/>
-              <a:t>任務種類</a:t>
-            </a:r>
-            <a:endParaRPr kumimoji="1" lang="zh-TW" altLang="en-US" dirty="0"/>
-          </a:p>
-        </p:txBody>
-      </p:sp>
-      <p:sp>
-        <p:nvSpPr>
-          <p:cNvPr id="4" name="日期版面配置區 3"/>
-          <p:cNvSpPr>
-            <a:spLocks noGrp="1"/>
-          </p:cNvSpPr>
-          <p:nvPr>
-            <p:ph type="dt" sz="half" idx="10"/>
-          </p:nvPr>
-        </p:nvSpPr>
-        <p:spPr/>
-        <p:txBody>
-          <a:bodyPr/>
-          <a:lstStyle/>
-          <a:p>
-            <a:fld id="{BFBDC4D9-ECF4-8B42-8DB3-E9AD2D47364E}" type="datetime1">
-              <a:rPr kumimoji="1" lang="zh-TW" altLang="en-US" smtClean="0"/>
-              <a:t>2018/4/1</a:t>
-            </a:fld>
-            <a:endParaRPr kumimoji="1" lang="zh-TW" altLang="en-US"/>
-          </a:p>
-        </p:txBody>
-      </p:sp>
-      <p:sp>
-        <p:nvSpPr>
-          <p:cNvPr id="6" name="投影片編號版面配置區 5"/>
-          <p:cNvSpPr>
-            <a:spLocks noGrp="1"/>
-          </p:cNvSpPr>
-          <p:nvPr>
-            <p:ph type="sldNum" sz="quarter" idx="12"/>
-          </p:nvPr>
-        </p:nvSpPr>
-        <p:spPr/>
-        <p:txBody>
-          <a:bodyPr/>
-          <a:lstStyle/>
-          <a:p>
-            <a:fld id="{E2979A35-9F6D-F14D-9E12-B3CB3B430550}" type="slidenum">
-              <a:rPr kumimoji="1" lang="zh-TW" altLang="en-US" smtClean="0"/>
-              <a:t>7</a:t>
-            </a:fld>
-            <a:endParaRPr kumimoji="1" lang="zh-TW" altLang="en-US"/>
-          </a:p>
-        </p:txBody>
-      </p:sp>
+      <p:pic>
+        <p:nvPicPr>
+          <p:cNvPr id="6" name="圖片 5"/>
+          <p:cNvPicPr>
+            <a:picLocks noChangeAspect="1"/>
+          </p:cNvPicPr>
+          <p:nvPr/>
+        </p:nvPicPr>
+        <p:blipFill>
+          <a:blip r:embed="rId3">
+            <a:extLst>
+              <a:ext uri="{28A0092B-C50C-407E-A947-70E740481C1C}">
+                <a14:useLocalDpi xmlns:a14="http://schemas.microsoft.com/office/drawing/2010/main" val="0"/>
+              </a:ext>
+            </a:extLst>
+          </a:blip>
+          <a:stretch>
+            <a:fillRect/>
+          </a:stretch>
+        </p:blipFill>
+        <p:spPr>
+          <a:xfrm>
+            <a:off x="2532885" y="1077238"/>
+            <a:ext cx="6625188" cy="2837277"/>
+          </a:xfrm>
+          <a:prstGeom prst="rect">
+            <a:avLst/>
+          </a:prstGeom>
+        </p:spPr>
+      </p:pic>
+      <p:sp>
+        <p:nvSpPr>
+          <p:cNvPr id="2" name="副標題 1"/>
+          <p:cNvSpPr>
+            <a:spLocks noGrp="1"/>
+          </p:cNvSpPr>
+          <p:nvPr>
+            <p:ph type="subTitle" idx="1"/>
+          </p:nvPr>
+        </p:nvSpPr>
+        <p:spPr>
+          <a:xfrm rot="20941683">
+            <a:off x="1412026" y="4113334"/>
+            <a:ext cx="9144000" cy="1655762"/>
+          </a:xfrm>
+        </p:spPr>
+        <p:txBody>
+          <a:bodyPr>
+            <a:normAutofit/>
+          </a:bodyPr>
+          <a:lstStyle/>
+          <a:p>
+            <a:r>
+              <a:rPr kumimoji="1" lang="en-US" altLang="zh-TW" sz="8400" b="1" dirty="0" smtClean="0">
+                <a:solidFill>
+                  <a:srgbClr val="A61D21"/>
+                </a:solidFill>
+                <a:latin typeface="Balthazar" pitchFamily="2" charset="0"/>
+                <a:ea typeface="Abadi MT Condensed Extra Bold" charset="0"/>
+                <a:cs typeface="Abadi MT Condensed Extra Bold" charset="0"/>
+              </a:rPr>
+              <a:t>Demo</a:t>
+            </a:r>
+            <a:endParaRPr kumimoji="1" lang="zh-TW" altLang="en-US" sz="8400" b="1" dirty="0">
+              <a:solidFill>
+                <a:srgbClr val="A61D21"/>
+              </a:solidFill>
+              <a:latin typeface="Balthazar" pitchFamily="2" charset="0"/>
+              <a:ea typeface="Abadi MT Condensed Extra Bold" charset="0"/>
+              <a:cs typeface="Abadi MT Condensed Extra Bold" charset="0"/>
+            </a:endParaRPr>
+          </a:p>
+        </p:txBody>
+      </p:sp>
+      <p:pic>
+        <p:nvPicPr>
+          <p:cNvPr id="1026" name="Picture 2" descr="https://scontent-tpe1-1.xx.fbcdn.net/v/t34.0-12/29855275_1638711239518008_514774904_n.png?_nc_cat=0&amp;oh=04c8b5b7d8119086a7c2b5ace8426c19&amp;oe=5AC31F88"/>
+          <p:cNvPicPr>
+            <a:picLocks noChangeAspect="1" noChangeArrowheads="1"/>
+          </p:cNvPicPr>
+          <p:nvPr/>
+        </p:nvPicPr>
+        <p:blipFill>
+          <a:blip r:embed="rId4">
+            <a:extLst>
+              <a:ext uri="{28A0092B-C50C-407E-A947-70E740481C1C}">
+                <a14:useLocalDpi xmlns:a14="http://schemas.microsoft.com/office/drawing/2010/main" val="0"/>
+              </a:ext>
+            </a:extLst>
+          </a:blip>
+          <a:srcRect/>
+          <a:stretch>
+            <a:fillRect/>
+          </a:stretch>
+        </p:blipFill>
+        <p:spPr bwMode="auto">
+          <a:xfrm>
+            <a:off x="3360791" y="3340659"/>
+            <a:ext cx="5275407" cy="2800951"/>
+          </a:xfrm>
+          <a:prstGeom prst="rect">
+            <a:avLst/>
+          </a:prstGeom>
+          <a:noFill/>
+          <a:extLst>
+            <a:ext uri="{909E8E84-426E-40DD-AFC4-6F175D3DCCD1}">
+              <a14:hiddenFill xmlns:a14="http://schemas.microsoft.com/office/drawing/2010/main">
+                <a:solidFill>
+                  <a:srgbClr val="FFFFFF"/>
+                </a:solidFill>
+              </a14:hiddenFill>
+            </a:ext>
+          </a:extLst>
+        </p:spPr>
+      </p:pic>
     </p:spTree>
     <p:extLst>
       <p:ext uri="{BB962C8B-B14F-4D97-AF65-F5344CB8AC3E}">
-        <p14:creationId xmlns:p14="http://schemas.microsoft.com/office/powerpoint/2010/main" val="1909704273"/>
+        <p14:creationId xmlns:p14="http://schemas.microsoft.com/office/powerpoint/2010/main" val="1465997893"/>
       </p:ext>
     </p:extLst>
   </p:cSld>
@@ -5366,118 +5689,7 @@
         </p:spPr>
         <p:txBody>
           <a:bodyPr>
-            <a:normAutofit/>
-          </a:bodyPr>
-          <a:lstStyle/>
-          <a:p>
-            <a:r>
-              <a:rPr kumimoji="1" lang="en-US" altLang="zh-TW" sz="8800" b="1" dirty="0" smtClean="0">
-                <a:solidFill>
-                  <a:srgbClr val="FF0000"/>
-                </a:solidFill>
-                <a:latin typeface="Abadi MT Condensed Extra Bold" charset="0"/>
-                <a:ea typeface="Abadi MT Condensed Extra Bold" charset="0"/>
-                <a:cs typeface="Abadi MT Condensed Extra Bold" charset="0"/>
-              </a:rPr>
-              <a:t>Demo</a:t>
-            </a:r>
-            <a:endParaRPr kumimoji="1" lang="zh-TW" altLang="en-US" sz="8800" b="1" dirty="0">
-              <a:solidFill>
-                <a:srgbClr val="FF0000"/>
-              </a:solidFill>
-              <a:latin typeface="Abadi MT Condensed Extra Bold" charset="0"/>
-              <a:ea typeface="Abadi MT Condensed Extra Bold" charset="0"/>
-              <a:cs typeface="Abadi MT Condensed Extra Bold" charset="0"/>
-            </a:endParaRPr>
-          </a:p>
-        </p:txBody>
-      </p:sp>
-    </p:spTree>
-    <p:extLst>
-      <p:ext uri="{BB962C8B-B14F-4D97-AF65-F5344CB8AC3E}">
-        <p14:creationId xmlns:p14="http://schemas.microsoft.com/office/powerpoint/2010/main" val="1465997893"/>
-      </p:ext>
-    </p:extLst>
-  </p:cSld>
-  <p:clrMapOvr>
-    <a:masterClrMapping/>
-  </p:clrMapOvr>
-  <p:timing>
-    <p:tnLst>
-      <p:par>
-        <p:cTn id="1" dur="indefinite" restart="never" nodeType="tmRoot"/>
-      </p:par>
-    </p:tnLst>
-  </p:timing>
-</p:sld>
-</file>
-
-<file path=ppt/slides/slide9.xml><?xml version="1.0" encoding="utf-8"?>
-<p:sld xmlns:a="http://schemas.openxmlformats.org/drawingml/2006/main" xmlns:r="http://schemas.openxmlformats.org/officeDocument/2006/relationships" xmlns:p="http://schemas.openxmlformats.org/presentationml/2006/main">
-  <p:cSld>
-    <p:spTree>
-      <p:nvGrpSpPr>
-        <p:cNvPr id="1" name=""/>
-        <p:cNvGrpSpPr/>
-        <p:nvPr/>
-      </p:nvGrpSpPr>
-      <p:grpSpPr>
-        <a:xfrm>
-          <a:off x="0" y="0"/>
-          <a:ext cx="0" cy="0"/>
-          <a:chOff x="0" y="0"/>
-          <a:chExt cx="0" cy="0"/>
-        </a:xfrm>
-      </p:grpSpPr>
-      <p:pic>
-        <p:nvPicPr>
-          <p:cNvPr id="6" name="圖片 5"/>
-          <p:cNvPicPr>
-            <a:picLocks noChangeAspect="1"/>
-          </p:cNvPicPr>
-          <p:nvPr/>
-        </p:nvPicPr>
-        <p:blipFill>
-          <a:blip r:embed="rId3">
-            <a:extLst>
-              <a:ext uri="{28A0092B-C50C-407E-A947-70E740481C1C}">
-                <a14:useLocalDpi xmlns:a14="http://schemas.microsoft.com/office/drawing/2010/main" val="0"/>
-              </a:ext>
-            </a:extLst>
-          </a:blip>
-          <a:stretch>
-            <a:fillRect/>
-          </a:stretch>
-        </p:blipFill>
-        <p:spPr>
-          <a:xfrm>
-            <a:off x="2532885" y="1077238"/>
-            <a:ext cx="6625188" cy="2837277"/>
-          </a:xfrm>
-          <a:prstGeom prst="rect">
-            <a:avLst/>
-          </a:prstGeom>
-        </p:spPr>
-      </p:pic>
-      <p:sp>
-        <p:nvSpPr>
-          <p:cNvPr id="2" name="副標題 1"/>
-          <p:cNvSpPr>
-            <a:spLocks noGrp="1"/>
-          </p:cNvSpPr>
-          <p:nvPr>
-            <p:ph type="subTitle" idx="1"/>
-          </p:nvPr>
-        </p:nvSpPr>
-        <p:spPr>
-          <a:xfrm>
-            <a:off x="1273479" y="3752350"/>
-            <a:ext cx="9144000" cy="1655762"/>
-          </a:xfrm>
-        </p:spPr>
-        <p:txBody>
-          <a:bodyPr>
-            <a:normAutofit/>
+            <a:normAutofit fontScale="77500" lnSpcReduction="20000"/>
           </a:bodyPr>
           <a:lstStyle/>
           <a:p>
@@ -5493,7 +5705,32 @@
                 <a:ea typeface="Abadi MT Condensed Extra Bold" charset="0"/>
                 <a:cs typeface="Abadi MT Condensed Extra Bold" charset="0"/>
               </a:rPr>
-              <a:t>For our better world</a:t>
+              <a:t>For our </a:t>
+            </a:r>
+            <a:r>
+              <a:rPr kumimoji="1" lang="en-US" altLang="zh-TW" sz="8800" b="1" dirty="0" smtClean="0">
+                <a:solidFill>
+                  <a:srgbClr val="404040"/>
+                </a:solidFill>
+                <a:latin typeface="Abadi MT Condensed Extra Bold" charset="0"/>
+                <a:ea typeface="Abadi MT Condensed Extra Bold" charset="0"/>
+                <a:cs typeface="Abadi MT Condensed Extra Bold" charset="0"/>
+              </a:rPr>
+              <a:t>better</a:t>
+            </a:r>
+            <a:r>
+              <a:rPr kumimoji="1" lang="en-US" altLang="zh-TW" sz="8800" b="1" dirty="0" smtClean="0">
+                <a:solidFill>
+                  <a:schemeClr val="tx1">
+                    <a:lumMod val="75000"/>
+                    <a:lumOff val="25000"/>
+                  </a:schemeClr>
+                </a:solidFill>
+                <a:latin typeface="Abadi MT Condensed Extra Bold" charset="0"/>
+                <a:ea typeface="Abadi MT Condensed Extra Bold" charset="0"/>
+                <a:cs typeface="Abadi MT Condensed Extra Bold" charset="0"/>
+              </a:rPr>
+              <a:t> world</a:t>
             </a:r>
             <a:endParaRPr kumimoji="1" lang="zh-TW" altLang="en-US" sz="8800" b="1" dirty="0">
               <a:solidFill>
@@ -5570,22 +5807,22 @@
         <a:srgbClr val="954F72"/>
       </a:folHlink>
     </a:clrScheme>
-    <a:fontScheme name="Office">
+    <a:fontScheme name="Arial">
       <a:majorFont>
-        <a:latin typeface="Calibri Light" panose="020F0302020204030204"/>
+        <a:latin typeface="Arial" panose="020B0604020202020204"/>
         <a:ea typeface=""/>
         <a:cs typeface=""/>
-        <a:font script="Jpan" typeface="Yu Gothic Light"/>
-        <a:font script="Hang" typeface="맑은 고딕"/>
-        <a:font script="Hans" typeface="DengXian Light"/>
-        <a:font script="Hant" typeface="新細明體"/>
-        <a:font script="Arab" typeface="Times New Roman"/>
-        <a:font script="Hebr" typeface="Times New Roman"/>
-        <a:font script="Thai" typeface="Angsana New"/>
+        <a:font script="Jpan" typeface="ＭＳ Ｐゴシック"/>
+        <a:font script="Hang" typeface="굴림"/>
+        <a:font script="Hans" typeface="黑体"/>
+        <a:font script="Hant" typeface="微軟正黑體"/>
+        <a:font script="Arab" typeface="Arial"/>
+        <a:font script="Hebr" typeface="Arial"/>
+        <a:font script="Thai" typeface="Cordia New"/>
         <a:font script="Ethi" typeface="Nyala"/>
         <a:font script="Beng" typeface="Vrinda"/>
         <a:font script="Gujr" typeface="Shruti"/>
-        <a:font script="Khmr" typeface="MoolBoran"/>
+        <a:font script="Khmr" typeface="DaunPenh"/>
         <a:font script="Knda" typeface="Tunga"/>
         <a:font script="Guru" typeface="Raavi"/>
         <a:font script="Cans" typeface="Euphemia"/>
@@ -5602,18 +5839,18 @@
         <a:font script="Laoo" typeface="DokChampa"/>
         <a:font script="Sinh" typeface="Iskoola Pota"/>
         <a:font script="Mong" typeface="Mongolian Baiti"/>
-        <a:font script="Viet" typeface="Times New Roman"/>
+        <a:font script="Viet" typeface="Arial"/>
         <a:font script="Uigh" typeface="Microsoft Uighur"/>
         <a:font script="Geor" typeface="Sylfaen"/>
       </a:majorFont>
       <a:minorFont>
-        <a:latin typeface="Calibri" panose="020F0502020204030204"/>
+        <a:latin typeface="Arial" panose="020B0604020202020204"/>
         <a:ea typeface=""/>
         <a:cs typeface=""/>
-        <a:font script="Jpan" typeface="Yu Gothic"/>
-        <a:font script="Hang" typeface="맑은 고딕"/>
-        <a:font script="Hans" typeface="DengXian"/>
-        <a:font script="Hant" typeface="新細明體"/>
+        <a:font script="Jpan" typeface="ＭＳ Ｐゴシック"/>
+        <a:font script="Hang" typeface="굴림"/>
+        <a:font script="Hans" typeface="黑体"/>
+        <a:font script="Hant" typeface="微軟正黑體"/>
         <a:font script="Arab" typeface="Arial"/>
         <a:font script="Hebr" typeface="Arial"/>
         <a:font script="Thai" typeface="Cordia New"/>
